--- a/literature/L-Sys-Lab_pokrok.pptx
+++ b/literature/L-Sys-Lab_pokrok.pptx
@@ -11,7 +11,8 @@
     <p:sldId id="258" r:id="rId5"/>
     <p:sldId id="260" r:id="rId6"/>
     <p:sldId id="264" r:id="rId7"/>
-    <p:sldId id="266" r:id="rId8"/>
+    <p:sldId id="269" r:id="rId8"/>
+    <p:sldId id="266" r:id="rId9"/>
   </p:sldIdLst>
   <p:sldSz cx="9144000" cy="6858000" type="screen4x3"/>
   <p:notesSz cx="6858000" cy="9144000"/>
@@ -124,607 +125,6 @@
     <p1510:client id="{BFD578B2-A946-4B0B-A540-2BFDC98EF046}" v="69" dt="2021-05-12T16:46:11.470"/>
   </p1510:revLst>
 </p1510:revInfo>
-</file>
-
-<file path=ppt/changesInfos/changesInfo1.xml><?xml version="1.0" encoding="utf-8"?>
-<pc:chgInfo xmlns:a="http://schemas.openxmlformats.org/drawingml/2006/main" xmlns:r="http://schemas.openxmlformats.org/officeDocument/2006/relationships" xmlns:ac="http://schemas.microsoft.com/office/drawing/2013/main/command" xmlns:pc="http://schemas.microsoft.com/office/powerpoint/2013/main/command">
-  <pc:docChgLst>
-    <pc:chgData name="Norbert Jurik" userId="6de4dc7f078bdd9d" providerId="LiveId" clId="{BFD578B2-A946-4B0B-A540-2BFDC98EF046}"/>
-    <pc:docChg chg="undo redo custSel addSld delSld modSld sldOrd">
-      <pc:chgData name="Norbert Jurik" userId="6de4dc7f078bdd9d" providerId="LiveId" clId="{BFD578B2-A946-4B0B-A540-2BFDC98EF046}" dt="2021-05-12T17:45:47.586" v="1384" actId="313"/>
-      <pc:docMkLst>
-        <pc:docMk/>
-      </pc:docMkLst>
-      <pc:sldChg chg="modSp add del mod">
-        <pc:chgData name="Norbert Jurik" userId="6de4dc7f078bdd9d" providerId="LiveId" clId="{BFD578B2-A946-4B0B-A540-2BFDC98EF046}" dt="2021-05-12T14:56:12.249" v="198" actId="47"/>
-        <pc:sldMkLst>
-          <pc:docMk/>
-          <pc:sldMk cId="3728493199" sldId="256"/>
-        </pc:sldMkLst>
-        <pc:spChg chg="mod">
-          <ac:chgData name="Norbert Jurik" userId="6de4dc7f078bdd9d" providerId="LiveId" clId="{BFD578B2-A946-4B0B-A540-2BFDC98EF046}" dt="2021-05-12T14:45:02.697" v="8" actId="27636"/>
-          <ac:spMkLst>
-            <pc:docMk/>
-            <pc:sldMk cId="3728493199" sldId="256"/>
-            <ac:spMk id="2" creationId="{928BFA7E-D311-40C4-9BAA-04C49E6ADA5A}"/>
-          </ac:spMkLst>
-        </pc:spChg>
-        <pc:spChg chg="mod">
-          <ac:chgData name="Norbert Jurik" userId="6de4dc7f078bdd9d" providerId="LiveId" clId="{BFD578B2-A946-4B0B-A540-2BFDC98EF046}" dt="2021-05-12T14:44:50.883" v="4"/>
-          <ac:spMkLst>
-            <pc:docMk/>
-            <pc:sldMk cId="3728493199" sldId="256"/>
-            <ac:spMk id="4" creationId="{3145BC48-F6FF-4C49-9227-1388589E1985}"/>
-          </ac:spMkLst>
-        </pc:spChg>
-      </pc:sldChg>
-      <pc:sldChg chg="addSp delSp modSp add del mod">
-        <pc:chgData name="Norbert Jurik" userId="6de4dc7f078bdd9d" providerId="LiveId" clId="{BFD578B2-A946-4B0B-A540-2BFDC98EF046}" dt="2021-05-12T16:25:42.860" v="1234" actId="1076"/>
-        <pc:sldMkLst>
-          <pc:docMk/>
-          <pc:sldMk cId="648745" sldId="258"/>
-        </pc:sldMkLst>
-        <pc:spChg chg="mod">
-          <ac:chgData name="Norbert Jurik" userId="6de4dc7f078bdd9d" providerId="LiveId" clId="{BFD578B2-A946-4B0B-A540-2BFDC98EF046}" dt="2021-05-12T14:47:50.576" v="67" actId="20577"/>
-          <ac:spMkLst>
-            <pc:docMk/>
-            <pc:sldMk cId="648745" sldId="258"/>
-            <ac:spMk id="2" creationId="{62407FB5-E88F-45A9-974C-B63489D89293}"/>
-          </ac:spMkLst>
-        </pc:spChg>
-        <pc:spChg chg="mod">
-          <ac:chgData name="Norbert Jurik" userId="6de4dc7f078bdd9d" providerId="LiveId" clId="{BFD578B2-A946-4B0B-A540-2BFDC98EF046}" dt="2021-05-12T16:18:10.756" v="1189" actId="14100"/>
-          <ac:spMkLst>
-            <pc:docMk/>
-            <pc:sldMk cId="648745" sldId="258"/>
-            <ac:spMk id="3" creationId="{1A08A02B-AC63-45D5-B493-2BB000C384BD}"/>
-          </ac:spMkLst>
-        </pc:spChg>
-        <pc:spChg chg="add del mod">
-          <ac:chgData name="Norbert Jurik" userId="6de4dc7f078bdd9d" providerId="LiveId" clId="{BFD578B2-A946-4B0B-A540-2BFDC98EF046}" dt="2021-05-12T16:15:31.668" v="1176" actId="478"/>
-          <ac:spMkLst>
-            <pc:docMk/>
-            <pc:sldMk cId="648745" sldId="258"/>
-            <ac:spMk id="4" creationId="{7612D848-8AA9-49D1-8030-B5286B5310C7}"/>
-          </ac:spMkLst>
-        </pc:spChg>
-        <pc:spChg chg="add del mod">
-          <ac:chgData name="Norbert Jurik" userId="6de4dc7f078bdd9d" providerId="LiveId" clId="{BFD578B2-A946-4B0B-A540-2BFDC98EF046}" dt="2021-05-12T16:15:54.567" v="1186" actId="478"/>
-          <ac:spMkLst>
-            <pc:docMk/>
-            <pc:sldMk cId="648745" sldId="258"/>
-            <ac:spMk id="5" creationId="{0A38B759-90A2-413A-9B35-613D70E4A03E}"/>
-          </ac:spMkLst>
-        </pc:spChg>
-        <pc:spChg chg="add del">
-          <ac:chgData name="Norbert Jurik" userId="6de4dc7f078bdd9d" providerId="LiveId" clId="{BFD578B2-A946-4B0B-A540-2BFDC98EF046}" dt="2021-05-12T16:18:23.426" v="1192" actId="478"/>
-          <ac:spMkLst>
-            <pc:docMk/>
-            <pc:sldMk cId="648745" sldId="258"/>
-            <ac:spMk id="6" creationId="{EB003AF5-F4A2-4EDB-B88C-00C3FFD26B97}"/>
-          </ac:spMkLst>
-        </pc:spChg>
-        <pc:spChg chg="add del">
-          <ac:chgData name="Norbert Jurik" userId="6de4dc7f078bdd9d" providerId="LiveId" clId="{BFD578B2-A946-4B0B-A540-2BFDC98EF046}" dt="2021-05-12T16:18:27.484" v="1194"/>
-          <ac:spMkLst>
-            <pc:docMk/>
-            <pc:sldMk cId="648745" sldId="258"/>
-            <ac:spMk id="7" creationId="{E0C8CD81-FD4D-41DE-A2B4-AB5BBD8E3BF8}"/>
-          </ac:spMkLst>
-        </pc:spChg>
-        <pc:picChg chg="add del mod">
-          <ac:chgData name="Norbert Jurik" userId="6de4dc7f078bdd9d" providerId="LiveId" clId="{BFD578B2-A946-4B0B-A540-2BFDC98EF046}" dt="2021-05-12T16:24:47.114" v="1225" actId="478"/>
-          <ac:picMkLst>
-            <pc:docMk/>
-            <pc:sldMk cId="648745" sldId="258"/>
-            <ac:picMk id="9" creationId="{C404CD25-ED31-457F-968F-57E30E3E79C6}"/>
-          </ac:picMkLst>
-        </pc:picChg>
-        <pc:picChg chg="add mod">
-          <ac:chgData name="Norbert Jurik" userId="6de4dc7f078bdd9d" providerId="LiveId" clId="{BFD578B2-A946-4B0B-A540-2BFDC98EF046}" dt="2021-05-12T16:25:42.860" v="1234" actId="1076"/>
-          <ac:picMkLst>
-            <pc:docMk/>
-            <pc:sldMk cId="648745" sldId="258"/>
-            <ac:picMk id="11" creationId="{0AFFAE22-6668-4BA8-B987-8CB8AE29CF8D}"/>
-          </ac:picMkLst>
-        </pc:picChg>
-        <pc:picChg chg="add mod">
-          <ac:chgData name="Norbert Jurik" userId="6de4dc7f078bdd9d" providerId="LiveId" clId="{BFD578B2-A946-4B0B-A540-2BFDC98EF046}" dt="2021-05-12T16:25:42.860" v="1234" actId="1076"/>
-          <ac:picMkLst>
-            <pc:docMk/>
-            <pc:sldMk cId="648745" sldId="258"/>
-            <ac:picMk id="1026" creationId="{C7E13C6C-4448-429F-BDDD-9B266317E288}"/>
-          </ac:picMkLst>
-        </pc:picChg>
-        <pc:picChg chg="add mod">
-          <ac:chgData name="Norbert Jurik" userId="6de4dc7f078bdd9d" providerId="LiveId" clId="{BFD578B2-A946-4B0B-A540-2BFDC98EF046}" dt="2021-05-12T16:25:42.860" v="1234" actId="1076"/>
-          <ac:picMkLst>
-            <pc:docMk/>
-            <pc:sldMk cId="648745" sldId="258"/>
-            <ac:picMk id="1028" creationId="{9BCC0AC1-512A-419F-8071-D888051E12BF}"/>
-          </ac:picMkLst>
-        </pc:picChg>
-        <pc:picChg chg="add del mod">
-          <ac:chgData name="Norbert Jurik" userId="6de4dc7f078bdd9d" providerId="LiveId" clId="{BFD578B2-A946-4B0B-A540-2BFDC98EF046}" dt="2021-05-12T16:18:11.073" v="1190"/>
-          <ac:picMkLst>
-            <pc:docMk/>
-            <pc:sldMk cId="648745" sldId="258"/>
-            <ac:picMk id="1034" creationId="{A90B46B0-FA06-4A1F-9E12-CE3304D8EFE0}"/>
-          </ac:picMkLst>
-        </pc:picChg>
-        <pc:picChg chg="add del">
-          <ac:chgData name="Norbert Jurik" userId="6de4dc7f078bdd9d" providerId="LiveId" clId="{BFD578B2-A946-4B0B-A540-2BFDC98EF046}" dt="2021-05-12T16:20:02.212" v="1196"/>
-          <ac:picMkLst>
-            <pc:docMk/>
-            <pc:sldMk cId="648745" sldId="258"/>
-            <ac:picMk id="1040" creationId="{BC321A5C-EF44-429B-9A56-F6EB10F7646C}"/>
-          </ac:picMkLst>
-        </pc:picChg>
-        <pc:picChg chg="add del">
-          <ac:chgData name="Norbert Jurik" userId="6de4dc7f078bdd9d" providerId="LiveId" clId="{BFD578B2-A946-4B0B-A540-2BFDC98EF046}" dt="2021-05-12T16:20:11.227" v="1198" actId="478"/>
-          <ac:picMkLst>
-            <pc:docMk/>
-            <pc:sldMk cId="648745" sldId="258"/>
-            <ac:picMk id="1042" creationId="{181FCA70-A0EC-46E8-842F-9B014A52D6D9}"/>
-          </ac:picMkLst>
-        </pc:picChg>
-        <pc:picChg chg="add del mod">
-          <ac:chgData name="Norbert Jurik" userId="6de4dc7f078bdd9d" providerId="LiveId" clId="{BFD578B2-A946-4B0B-A540-2BFDC98EF046}" dt="2021-05-12T16:20:39.764" v="1204" actId="478"/>
-          <ac:picMkLst>
-            <pc:docMk/>
-            <pc:sldMk cId="648745" sldId="258"/>
-            <ac:picMk id="1044" creationId="{F5251E2D-D018-4A41-AD37-D27EE09A5C3D}"/>
-          </ac:picMkLst>
-        </pc:picChg>
-        <pc:picChg chg="add mod">
-          <ac:chgData name="Norbert Jurik" userId="6de4dc7f078bdd9d" providerId="LiveId" clId="{BFD578B2-A946-4B0B-A540-2BFDC98EF046}" dt="2021-05-12T16:25:42.860" v="1234" actId="1076"/>
-          <ac:picMkLst>
-            <pc:docMk/>
-            <pc:sldMk cId="648745" sldId="258"/>
-            <ac:picMk id="1046" creationId="{CDB3CA0D-1536-4AE1-9413-FD65D0578AEC}"/>
-          </ac:picMkLst>
-        </pc:picChg>
-        <pc:picChg chg="add del mod">
-          <ac:chgData name="Norbert Jurik" userId="6de4dc7f078bdd9d" providerId="LiveId" clId="{BFD578B2-A946-4B0B-A540-2BFDC98EF046}" dt="2021-05-12T16:22:30.195" v="1213" actId="478"/>
-          <ac:picMkLst>
-            <pc:docMk/>
-            <pc:sldMk cId="648745" sldId="258"/>
-            <ac:picMk id="1048" creationId="{EB5048E9-7CBC-47D2-BB38-A6E0056FC9FA}"/>
-          </ac:picMkLst>
-        </pc:picChg>
-        <pc:picChg chg="add del">
-          <ac:chgData name="Norbert Jurik" userId="6de4dc7f078bdd9d" providerId="LiveId" clId="{BFD578B2-A946-4B0B-A540-2BFDC98EF046}" dt="2021-05-12T16:23:36.355" v="1215" actId="478"/>
-          <ac:picMkLst>
-            <pc:docMk/>
-            <pc:sldMk cId="648745" sldId="258"/>
-            <ac:picMk id="1050" creationId="{A8F11B87-8C10-4E02-BF7C-01F2FAA765EA}"/>
-          </ac:picMkLst>
-        </pc:picChg>
-        <pc:picChg chg="add del">
-          <ac:chgData name="Norbert Jurik" userId="6de4dc7f078bdd9d" providerId="LiveId" clId="{BFD578B2-A946-4B0B-A540-2BFDC98EF046}" dt="2021-05-12T16:23:52.283" v="1217" actId="478"/>
-          <ac:picMkLst>
-            <pc:docMk/>
-            <pc:sldMk cId="648745" sldId="258"/>
-            <ac:picMk id="1052" creationId="{9193E002-ECF3-49C3-B146-DBC6D0381359}"/>
-          </ac:picMkLst>
-        </pc:picChg>
-        <pc:picChg chg="add del">
-          <ac:chgData name="Norbert Jurik" userId="6de4dc7f078bdd9d" providerId="LiveId" clId="{BFD578B2-A946-4B0B-A540-2BFDC98EF046}" dt="2021-05-12T16:24:18.585" v="1219" actId="478"/>
-          <ac:picMkLst>
-            <pc:docMk/>
-            <pc:sldMk cId="648745" sldId="258"/>
-            <ac:picMk id="1054" creationId="{BFA5AE78-7ECC-4EC8-997E-65210F45DF05}"/>
-          </ac:picMkLst>
-        </pc:picChg>
-      </pc:sldChg>
-      <pc:sldChg chg="addSp delSp modSp add del mod ord setBg">
-        <pc:chgData name="Norbert Jurik" userId="6de4dc7f078bdd9d" providerId="LiveId" clId="{BFD578B2-A946-4B0B-A540-2BFDC98EF046}" dt="2021-05-12T17:44:03.974" v="1383" actId="1076"/>
-        <pc:sldMkLst>
-          <pc:docMk/>
-          <pc:sldMk cId="3295810007" sldId="259"/>
-        </pc:sldMkLst>
-        <pc:spChg chg="mod">
-          <ac:chgData name="Norbert Jurik" userId="6de4dc7f078bdd9d" providerId="LiveId" clId="{BFD578B2-A946-4B0B-A540-2BFDC98EF046}" dt="2021-05-12T17:43:43.876" v="1380" actId="26606"/>
-          <ac:spMkLst>
-            <pc:docMk/>
-            <pc:sldMk cId="3295810007" sldId="259"/>
-            <ac:spMk id="2" creationId="{72AA14A8-AF3A-4DB2-BA14-27D49875A0C7}"/>
-          </ac:spMkLst>
-        </pc:spChg>
-        <pc:spChg chg="mod">
-          <ac:chgData name="Norbert Jurik" userId="6de4dc7f078bdd9d" providerId="LiveId" clId="{BFD578B2-A946-4B0B-A540-2BFDC98EF046}" dt="2021-05-12T17:43:56.595" v="1382" actId="14100"/>
-          <ac:spMkLst>
-            <pc:docMk/>
-            <pc:sldMk cId="3295810007" sldId="259"/>
-            <ac:spMk id="3" creationId="{B4CA22F2-B679-4E2A-84F4-63ED4FB0BFC9}"/>
-          </ac:spMkLst>
-        </pc:spChg>
-        <pc:spChg chg="add del">
-          <ac:chgData name="Norbert Jurik" userId="6de4dc7f078bdd9d" providerId="LiveId" clId="{BFD578B2-A946-4B0B-A540-2BFDC98EF046}" dt="2021-05-12T17:43:43.876" v="1380" actId="26606"/>
-          <ac:spMkLst>
-            <pc:docMk/>
-            <pc:sldMk cId="3295810007" sldId="259"/>
-            <ac:spMk id="14" creationId="{A4CD5757-70DF-4A72-B8BA-D5E5ACAA82A0}"/>
-          </ac:spMkLst>
-        </pc:spChg>
-        <pc:spChg chg="add del">
-          <ac:chgData name="Norbert Jurik" userId="6de4dc7f078bdd9d" providerId="LiveId" clId="{BFD578B2-A946-4B0B-A540-2BFDC98EF046}" dt="2021-05-12T17:43:43.876" v="1380" actId="26606"/>
-          <ac:spMkLst>
-            <pc:docMk/>
-            <pc:sldMk cId="3295810007" sldId="259"/>
-            <ac:spMk id="16" creationId="{4EA93A49-7FC9-4173-84F4-14FF7005DE61}"/>
-          </ac:spMkLst>
-        </pc:spChg>
-        <pc:spChg chg="add del">
-          <ac:chgData name="Norbert Jurik" userId="6de4dc7f078bdd9d" providerId="LiveId" clId="{BFD578B2-A946-4B0B-A540-2BFDC98EF046}" dt="2021-05-12T17:43:40.542" v="1375" actId="26606"/>
-          <ac:spMkLst>
-            <pc:docMk/>
-            <pc:sldMk cId="3295810007" sldId="259"/>
-            <ac:spMk id="21" creationId="{A4CD5757-70DF-4A72-B8BA-D5E5ACAA82A0}"/>
-          </ac:spMkLst>
-        </pc:spChg>
-        <pc:spChg chg="add del">
-          <ac:chgData name="Norbert Jurik" userId="6de4dc7f078bdd9d" providerId="LiveId" clId="{BFD578B2-A946-4B0B-A540-2BFDC98EF046}" dt="2021-05-12T17:43:40.542" v="1375" actId="26606"/>
-          <ac:spMkLst>
-            <pc:docMk/>
-            <pc:sldMk cId="3295810007" sldId="259"/>
-            <ac:spMk id="23" creationId="{4EA93A49-7FC9-4173-84F4-14FF7005DE61}"/>
-          </ac:spMkLst>
-        </pc:spChg>
-        <pc:picChg chg="add del mod">
-          <ac:chgData name="Norbert Jurik" userId="6de4dc7f078bdd9d" providerId="LiveId" clId="{BFD578B2-A946-4B0B-A540-2BFDC98EF046}" dt="2021-05-12T15:14:24.192" v="581" actId="478"/>
-          <ac:picMkLst>
-            <pc:docMk/>
-            <pc:sldMk cId="3295810007" sldId="259"/>
-            <ac:picMk id="5" creationId="{6BC8B2E8-0A60-4620-9742-04A9551156DA}"/>
-          </ac:picMkLst>
-        </pc:picChg>
-        <pc:picChg chg="add del mod">
-          <ac:chgData name="Norbert Jurik" userId="6de4dc7f078bdd9d" providerId="LiveId" clId="{BFD578B2-A946-4B0B-A540-2BFDC98EF046}" dt="2021-05-12T16:46:08.885" v="1355" actId="21"/>
-          <ac:picMkLst>
-            <pc:docMk/>
-            <pc:sldMk cId="3295810007" sldId="259"/>
-            <ac:picMk id="7" creationId="{59D76A7B-A1DD-4372-808D-7A20F1CB00CB}"/>
-          </ac:picMkLst>
-        </pc:picChg>
-        <pc:picChg chg="add del mod">
-          <ac:chgData name="Norbert Jurik" userId="6de4dc7f078bdd9d" providerId="LiveId" clId="{BFD578B2-A946-4B0B-A540-2BFDC98EF046}" dt="2021-05-12T17:44:03.974" v="1383" actId="1076"/>
-          <ac:picMkLst>
-            <pc:docMk/>
-            <pc:sldMk cId="3295810007" sldId="259"/>
-            <ac:picMk id="9" creationId="{9A0133DE-1B82-450A-B351-709284FFC937}"/>
-          </ac:picMkLst>
-        </pc:picChg>
-        <pc:picChg chg="add del mod">
-          <ac:chgData name="Norbert Jurik" userId="6de4dc7f078bdd9d" providerId="LiveId" clId="{BFD578B2-A946-4B0B-A540-2BFDC98EF046}" dt="2021-05-12T17:43:42.135" v="1376" actId="22"/>
-          <ac:picMkLst>
-            <pc:docMk/>
-            <pc:sldMk cId="3295810007" sldId="259"/>
-            <ac:picMk id="11" creationId="{3F9F9994-5318-444C-85D1-F61810E1B62F}"/>
-          </ac:picMkLst>
-        </pc:picChg>
-      </pc:sldChg>
-      <pc:sldChg chg="delSp modSp add del mod">
-        <pc:chgData name="Norbert Jurik" userId="6de4dc7f078bdd9d" providerId="LiveId" clId="{BFD578B2-A946-4B0B-A540-2BFDC98EF046}" dt="2021-05-12T17:45:47.586" v="1384" actId="313"/>
-        <pc:sldMkLst>
-          <pc:docMk/>
-          <pc:sldMk cId="960729313" sldId="260"/>
-        </pc:sldMkLst>
-        <pc:spChg chg="mod">
-          <ac:chgData name="Norbert Jurik" userId="6de4dc7f078bdd9d" providerId="LiveId" clId="{BFD578B2-A946-4B0B-A540-2BFDC98EF046}" dt="2021-05-12T14:54:09.913" v="175" actId="20577"/>
-          <ac:spMkLst>
-            <pc:docMk/>
-            <pc:sldMk cId="960729313" sldId="260"/>
-            <ac:spMk id="2" creationId="{52397116-92CE-4D91-873D-40A9DE100378}"/>
-          </ac:spMkLst>
-        </pc:spChg>
-        <pc:spChg chg="mod">
-          <ac:chgData name="Norbert Jurik" userId="6de4dc7f078bdd9d" providerId="LiveId" clId="{BFD578B2-A946-4B0B-A540-2BFDC98EF046}" dt="2021-05-12T17:45:47.586" v="1384" actId="313"/>
-          <ac:spMkLst>
-            <pc:docMk/>
-            <pc:sldMk cId="960729313" sldId="260"/>
-            <ac:spMk id="3" creationId="{5376F184-5A72-4295-B823-97BEE2FCE290}"/>
-          </ac:spMkLst>
-        </pc:spChg>
-        <pc:picChg chg="del">
-          <ac:chgData name="Norbert Jurik" userId="6de4dc7f078bdd9d" providerId="LiveId" clId="{BFD578B2-A946-4B0B-A540-2BFDC98EF046}" dt="2021-05-12T14:55:29.599" v="178" actId="478"/>
-          <ac:picMkLst>
-            <pc:docMk/>
-            <pc:sldMk cId="960729313" sldId="260"/>
-            <ac:picMk id="4" creationId="{0C906D5D-45F0-46AD-90E5-F4CEC7A632D7}"/>
-          </ac:picMkLst>
-        </pc:picChg>
-      </pc:sldChg>
-      <pc:sldChg chg="add del">
-        <pc:chgData name="Norbert Jurik" userId="6de4dc7f078bdd9d" providerId="LiveId" clId="{BFD578B2-A946-4B0B-A540-2BFDC98EF046}" dt="2021-05-12T14:56:37.602" v="219" actId="47"/>
-        <pc:sldMkLst>
-          <pc:docMk/>
-          <pc:sldMk cId="2986119354" sldId="261"/>
-        </pc:sldMkLst>
-      </pc:sldChg>
-      <pc:sldChg chg="add del">
-        <pc:chgData name="Norbert Jurik" userId="6de4dc7f078bdd9d" providerId="LiveId" clId="{BFD578B2-A946-4B0B-A540-2BFDC98EF046}" dt="2021-05-12T14:56:36.112" v="218" actId="47"/>
-        <pc:sldMkLst>
-          <pc:docMk/>
-          <pc:sldMk cId="1166268509" sldId="262"/>
-        </pc:sldMkLst>
-      </pc:sldChg>
-      <pc:sldChg chg="add del">
-        <pc:chgData name="Norbert Jurik" userId="6de4dc7f078bdd9d" providerId="LiveId" clId="{BFD578B2-A946-4B0B-A540-2BFDC98EF046}" dt="2021-05-12T14:56:33.065" v="217" actId="47"/>
-        <pc:sldMkLst>
-          <pc:docMk/>
-          <pc:sldMk cId="3557316088" sldId="263"/>
-        </pc:sldMkLst>
-      </pc:sldChg>
-      <pc:sldChg chg="addSp delSp modSp add del mod">
-        <pc:chgData name="Norbert Jurik" userId="6de4dc7f078bdd9d" providerId="LiveId" clId="{BFD578B2-A946-4B0B-A540-2BFDC98EF046}" dt="2021-05-12T16:33:22.439" v="1331" actId="1076"/>
-        <pc:sldMkLst>
-          <pc:docMk/>
-          <pc:sldMk cId="1038446777" sldId="264"/>
-        </pc:sldMkLst>
-        <pc:spChg chg="mod">
-          <ac:chgData name="Norbert Jurik" userId="6de4dc7f078bdd9d" providerId="LiveId" clId="{BFD578B2-A946-4B0B-A540-2BFDC98EF046}" dt="2021-05-12T15:38:52.429" v="1108" actId="20577"/>
-          <ac:spMkLst>
-            <pc:docMk/>
-            <pc:sldMk cId="1038446777" sldId="264"/>
-            <ac:spMk id="2" creationId="{442DDABB-5CFC-4095-AEDC-FBFCC6BCCFA8}"/>
-          </ac:spMkLst>
-        </pc:spChg>
-        <pc:spChg chg="del mod">
-          <ac:chgData name="Norbert Jurik" userId="6de4dc7f078bdd9d" providerId="LiveId" clId="{BFD578B2-A946-4B0B-A540-2BFDC98EF046}" dt="2021-05-12T15:38:56.450" v="1109" actId="478"/>
-          <ac:spMkLst>
-            <pc:docMk/>
-            <pc:sldMk cId="1038446777" sldId="264"/>
-            <ac:spMk id="3" creationId="{99F7AC4B-D1DE-43F4-8F2A-6E370C85E9DA}"/>
-          </ac:spMkLst>
-        </pc:spChg>
-        <pc:picChg chg="add mod">
-          <ac:chgData name="Norbert Jurik" userId="6de4dc7f078bdd9d" providerId="LiveId" clId="{BFD578B2-A946-4B0B-A540-2BFDC98EF046}" dt="2021-05-12T16:09:43.677" v="1155" actId="1076"/>
-          <ac:picMkLst>
-            <pc:docMk/>
-            <pc:sldMk cId="1038446777" sldId="264"/>
-            <ac:picMk id="5" creationId="{B7EEC47F-D508-4E17-8A53-2ED63F1015BD}"/>
-          </ac:picMkLst>
-        </pc:picChg>
-        <pc:picChg chg="add del mod">
-          <ac:chgData name="Norbert Jurik" userId="6de4dc7f078bdd9d" providerId="LiveId" clId="{BFD578B2-A946-4B0B-A540-2BFDC98EF046}" dt="2021-05-12T15:45:52.975" v="1115" actId="478"/>
-          <ac:picMkLst>
-            <pc:docMk/>
-            <pc:sldMk cId="1038446777" sldId="264"/>
-            <ac:picMk id="7" creationId="{9E3CE756-5532-46CD-8CAD-4982DA99C9DA}"/>
-          </ac:picMkLst>
-        </pc:picChg>
-        <pc:picChg chg="add del mod">
-          <ac:chgData name="Norbert Jurik" userId="6de4dc7f078bdd9d" providerId="LiveId" clId="{BFD578B2-A946-4B0B-A540-2BFDC98EF046}" dt="2021-05-12T15:51:09.126" v="1131" actId="478"/>
-          <ac:picMkLst>
-            <pc:docMk/>
-            <pc:sldMk cId="1038446777" sldId="264"/>
-            <ac:picMk id="9" creationId="{67249B47-CDA5-496B-A359-98C1E2FFDCC5}"/>
-          </ac:picMkLst>
-        </pc:picChg>
-        <pc:picChg chg="add mod">
-          <ac:chgData name="Norbert Jurik" userId="6de4dc7f078bdd9d" providerId="LiveId" clId="{BFD578B2-A946-4B0B-A540-2BFDC98EF046}" dt="2021-05-12T16:33:16.634" v="1329" actId="1076"/>
-          <ac:picMkLst>
-            <pc:docMk/>
-            <pc:sldMk cId="1038446777" sldId="264"/>
-            <ac:picMk id="11" creationId="{3CFB6F7D-F950-4EA2-9E8A-43D087888C78}"/>
-          </ac:picMkLst>
-        </pc:picChg>
-        <pc:picChg chg="del">
-          <ac:chgData name="Norbert Jurik" userId="6de4dc7f078bdd9d" providerId="LiveId" clId="{BFD578B2-A946-4B0B-A540-2BFDC98EF046}" dt="2021-05-12T14:56:56.318" v="227" actId="478"/>
-          <ac:picMkLst>
-            <pc:docMk/>
-            <pc:sldMk cId="1038446777" sldId="264"/>
-            <ac:picMk id="13" creationId="{9ADAF93C-3E5A-4033-9466-454566BC37A4}"/>
-          </ac:picMkLst>
-        </pc:picChg>
-        <pc:picChg chg="del">
-          <ac:chgData name="Norbert Jurik" userId="6de4dc7f078bdd9d" providerId="LiveId" clId="{BFD578B2-A946-4B0B-A540-2BFDC98EF046}" dt="2021-05-12T14:56:56.929" v="228" actId="478"/>
-          <ac:picMkLst>
-            <pc:docMk/>
-            <pc:sldMk cId="1038446777" sldId="264"/>
-            <ac:picMk id="14" creationId="{EBDF8134-D333-4E17-83CC-043139E2AB17}"/>
-          </ac:picMkLst>
-        </pc:picChg>
-        <pc:picChg chg="add mod">
-          <ac:chgData name="Norbert Jurik" userId="6de4dc7f078bdd9d" providerId="LiveId" clId="{BFD578B2-A946-4B0B-A540-2BFDC98EF046}" dt="2021-05-12T16:28:35.788" v="1241" actId="1076"/>
-          <ac:picMkLst>
-            <pc:docMk/>
-            <pc:sldMk cId="1038446777" sldId="264"/>
-            <ac:picMk id="15" creationId="{7C77ED0C-71A0-4568-B315-17DEA77730BF}"/>
-          </ac:picMkLst>
-        </pc:picChg>
-        <pc:picChg chg="add del mod">
-          <ac:chgData name="Norbert Jurik" userId="6de4dc7f078bdd9d" providerId="LiveId" clId="{BFD578B2-A946-4B0B-A540-2BFDC98EF046}" dt="2021-05-12T16:29:11.462" v="1248" actId="478"/>
-          <ac:picMkLst>
-            <pc:docMk/>
-            <pc:sldMk cId="1038446777" sldId="264"/>
-            <ac:picMk id="17" creationId="{A03DC47F-9371-4196-9F69-466DDE7F0A3B}"/>
-          </ac:picMkLst>
-        </pc:picChg>
-        <pc:picChg chg="add del mod">
-          <ac:chgData name="Norbert Jurik" userId="6de4dc7f078bdd9d" providerId="LiveId" clId="{BFD578B2-A946-4B0B-A540-2BFDC98EF046}" dt="2021-05-12T16:28:22.152" v="1235" actId="478"/>
-          <ac:picMkLst>
-            <pc:docMk/>
-            <pc:sldMk cId="1038446777" sldId="264"/>
-            <ac:picMk id="19" creationId="{E8BA3D4F-4277-491B-B0F7-97F2476977B6}"/>
-          </ac:picMkLst>
-        </pc:picChg>
-        <pc:picChg chg="add del mod">
-          <ac:chgData name="Norbert Jurik" userId="6de4dc7f078bdd9d" providerId="LiveId" clId="{BFD578B2-A946-4B0B-A540-2BFDC98EF046}" dt="2021-05-12T16:29:45.782" v="1250" actId="478"/>
-          <ac:picMkLst>
-            <pc:docMk/>
-            <pc:sldMk cId="1038446777" sldId="264"/>
-            <ac:picMk id="21" creationId="{1707017D-4C44-491C-9E69-0BF54B4CCC92}"/>
-          </ac:picMkLst>
-        </pc:picChg>
-        <pc:picChg chg="add del mod">
-          <ac:chgData name="Norbert Jurik" userId="6de4dc7f078bdd9d" providerId="LiveId" clId="{BFD578B2-A946-4B0B-A540-2BFDC98EF046}" dt="2021-05-12T16:31:05.787" v="1295" actId="478"/>
-          <ac:picMkLst>
-            <pc:docMk/>
-            <pc:sldMk cId="1038446777" sldId="264"/>
-            <ac:picMk id="22" creationId="{44FA8785-E886-4618-A03A-0E0F1CE79697}"/>
-          </ac:picMkLst>
-        </pc:picChg>
-        <pc:picChg chg="add del mod">
-          <ac:chgData name="Norbert Jurik" userId="6de4dc7f078bdd9d" providerId="LiveId" clId="{BFD578B2-A946-4B0B-A540-2BFDC98EF046}" dt="2021-05-12T16:31:06.142" v="1306" actId="478"/>
-          <ac:picMkLst>
-            <pc:docMk/>
-            <pc:sldMk cId="1038446777" sldId="264"/>
-            <ac:picMk id="24" creationId="{94A257EF-2B90-46B4-93B9-64BA69D2D45D}"/>
-          </ac:picMkLst>
-        </pc:picChg>
-        <pc:picChg chg="add del mod">
-          <ac:chgData name="Norbert Jurik" userId="6de4dc7f078bdd9d" providerId="LiveId" clId="{BFD578B2-A946-4B0B-A540-2BFDC98EF046}" dt="2021-05-12T16:33:12.974" v="1328" actId="1076"/>
-          <ac:picMkLst>
-            <pc:docMk/>
-            <pc:sldMk cId="1038446777" sldId="264"/>
-            <ac:picMk id="25" creationId="{2096F1F1-B20C-4615-A21C-941BA62FD35F}"/>
-          </ac:picMkLst>
-        </pc:picChg>
-        <pc:picChg chg="add del mod">
-          <ac:chgData name="Norbert Jurik" userId="6de4dc7f078bdd9d" providerId="LiveId" clId="{BFD578B2-A946-4B0B-A540-2BFDC98EF046}" dt="2021-05-12T16:33:22.439" v="1331" actId="1076"/>
-          <ac:picMkLst>
-            <pc:docMk/>
-            <pc:sldMk cId="1038446777" sldId="264"/>
-            <ac:picMk id="26" creationId="{873E4592-8BC5-4D44-9449-B5296453E5E4}"/>
-          </ac:picMkLst>
-        </pc:picChg>
-        <pc:picChg chg="add mod">
-          <ac:chgData name="Norbert Jurik" userId="6de4dc7f078bdd9d" providerId="LiveId" clId="{BFD578B2-A946-4B0B-A540-2BFDC98EF046}" dt="2021-05-12T16:33:20.578" v="1330" actId="1076"/>
-          <ac:picMkLst>
-            <pc:docMk/>
-            <pc:sldMk cId="1038446777" sldId="264"/>
-            <ac:picMk id="28" creationId="{36BEE585-5320-43A5-B1E6-28803D15D073}"/>
-          </ac:picMkLst>
-        </pc:picChg>
-      </pc:sldChg>
-      <pc:sldChg chg="add del">
-        <pc:chgData name="Norbert Jurik" userId="6de4dc7f078bdd9d" providerId="LiveId" clId="{BFD578B2-A946-4B0B-A540-2BFDC98EF046}" dt="2021-05-12T14:56:43.613" v="223" actId="47"/>
-        <pc:sldMkLst>
-          <pc:docMk/>
-          <pc:sldMk cId="4200590882" sldId="265"/>
-        </pc:sldMkLst>
-      </pc:sldChg>
-      <pc:sldChg chg="add del">
-        <pc:chgData name="Norbert Jurik" userId="6de4dc7f078bdd9d" providerId="LiveId" clId="{BFD578B2-A946-4B0B-A540-2BFDC98EF046}" dt="2021-05-12T14:56:13.432" v="203" actId="47"/>
-        <pc:sldMkLst>
-          <pc:docMk/>
-          <pc:sldMk cId="1881441743" sldId="266"/>
-        </pc:sldMkLst>
-      </pc:sldChg>
-      <pc:sldChg chg="add del">
-        <pc:chgData name="Norbert Jurik" userId="6de4dc7f078bdd9d" providerId="LiveId" clId="{BFD578B2-A946-4B0B-A540-2BFDC98EF046}" dt="2021-05-12T14:56:39.370" v="221" actId="47"/>
-        <pc:sldMkLst>
-          <pc:docMk/>
-          <pc:sldMk cId="329417675" sldId="267"/>
-        </pc:sldMkLst>
-      </pc:sldChg>
-      <pc:sldChg chg="addSp delSp modSp add del mod">
-        <pc:chgData name="Norbert Jurik" userId="6de4dc7f078bdd9d" providerId="LiveId" clId="{BFD578B2-A946-4B0B-A540-2BFDC98EF046}" dt="2021-05-12T16:46:20.121" v="1357" actId="1076"/>
-        <pc:sldMkLst>
-          <pc:docMk/>
-          <pc:sldMk cId="1638291572" sldId="268"/>
-        </pc:sldMkLst>
-        <pc:spChg chg="mod">
-          <ac:chgData name="Norbert Jurik" userId="6de4dc7f078bdd9d" providerId="LiveId" clId="{BFD578B2-A946-4B0B-A540-2BFDC98EF046}" dt="2021-05-12T14:45:25.399" v="17" actId="20577"/>
-          <ac:spMkLst>
-            <pc:docMk/>
-            <pc:sldMk cId="1638291572" sldId="268"/>
-            <ac:spMk id="2" creationId="{8F0E3F00-29EB-460C-8361-D0455CD5929C}"/>
-          </ac:spMkLst>
-        </pc:spChg>
-        <pc:spChg chg="mod">
-          <ac:chgData name="Norbert Jurik" userId="6de4dc7f078bdd9d" providerId="LiveId" clId="{BFD578B2-A946-4B0B-A540-2BFDC98EF046}" dt="2021-05-12T16:40:02.560" v="1341" actId="20577"/>
-          <ac:spMkLst>
-            <pc:docMk/>
-            <pc:sldMk cId="1638291572" sldId="268"/>
-            <ac:spMk id="3" creationId="{A109DB56-11E0-4354-BEE0-B0EE45827252}"/>
-          </ac:spMkLst>
-        </pc:spChg>
-        <pc:picChg chg="add del mod">
-          <ac:chgData name="Norbert Jurik" userId="6de4dc7f078bdd9d" providerId="LiveId" clId="{BFD578B2-A946-4B0B-A540-2BFDC98EF046}" dt="2021-05-12T16:46:04.912" v="1354" actId="478"/>
-          <ac:picMkLst>
-            <pc:docMk/>
-            <pc:sldMk cId="1638291572" sldId="268"/>
-            <ac:picMk id="5" creationId="{A930A9A4-1954-4B94-AE94-B2A353D32CE4}"/>
-          </ac:picMkLst>
-        </pc:picChg>
-        <pc:picChg chg="add mod">
-          <ac:chgData name="Norbert Jurik" userId="6de4dc7f078bdd9d" providerId="LiveId" clId="{BFD578B2-A946-4B0B-A540-2BFDC98EF046}" dt="2021-05-12T16:46:20.121" v="1357" actId="1076"/>
-          <ac:picMkLst>
-            <pc:docMk/>
-            <pc:sldMk cId="1638291572" sldId="268"/>
-            <ac:picMk id="6" creationId="{C2C9A38D-E443-4B25-AA17-3314F5730934}"/>
-          </ac:picMkLst>
-        </pc:picChg>
-      </pc:sldChg>
-      <pc:sldChg chg="add del">
-        <pc:chgData name="Norbert Jurik" userId="6de4dc7f078bdd9d" providerId="LiveId" clId="{BFD578B2-A946-4B0B-A540-2BFDC98EF046}" dt="2021-05-12T14:56:15.365" v="206"/>
-        <pc:sldMkLst>
-          <pc:docMk/>
-          <pc:sldMk cId="425280865" sldId="269"/>
-        </pc:sldMkLst>
-      </pc:sldChg>
-      <pc:sldChg chg="del">
-        <pc:chgData name="Norbert Jurik" userId="6de4dc7f078bdd9d" providerId="LiveId" clId="{BFD578B2-A946-4B0B-A540-2BFDC98EF046}" dt="2021-05-12T14:51:19.887" v="127" actId="47"/>
-        <pc:sldMkLst>
-          <pc:docMk/>
-          <pc:sldMk cId="965818414" sldId="269"/>
-        </pc:sldMkLst>
-      </pc:sldChg>
-      <pc:sldChg chg="del">
-        <pc:chgData name="Norbert Jurik" userId="6de4dc7f078bdd9d" providerId="LiveId" clId="{BFD578B2-A946-4B0B-A540-2BFDC98EF046}" dt="2021-05-12T14:51:18.967" v="126" actId="47"/>
-        <pc:sldMkLst>
-          <pc:docMk/>
-          <pc:sldMk cId="1631178452" sldId="270"/>
-        </pc:sldMkLst>
-      </pc:sldChg>
-      <pc:sldChg chg="del">
-        <pc:chgData name="Norbert Jurik" userId="6de4dc7f078bdd9d" providerId="LiveId" clId="{BFD578B2-A946-4B0B-A540-2BFDC98EF046}" dt="2021-05-12T14:51:18.194" v="125" actId="47"/>
-        <pc:sldMkLst>
-          <pc:docMk/>
-          <pc:sldMk cId="2374614984" sldId="271"/>
-        </pc:sldMkLst>
-      </pc:sldChg>
-      <pc:sldChg chg="add del">
-        <pc:chgData name="Norbert Jurik" userId="6de4dc7f078bdd9d" providerId="LiveId" clId="{BFD578B2-A946-4B0B-A540-2BFDC98EF046}" dt="2021-05-12T14:56:41.041" v="222" actId="47"/>
-        <pc:sldMkLst>
-          <pc:docMk/>
-          <pc:sldMk cId="786366406" sldId="272"/>
-        </pc:sldMkLst>
-      </pc:sldChg>
-      <pc:sldChg chg="add del">
-        <pc:chgData name="Norbert Jurik" userId="6de4dc7f078bdd9d" providerId="LiveId" clId="{BFD578B2-A946-4B0B-A540-2BFDC98EF046}" dt="2021-05-12T14:56:38.250" v="220" actId="47"/>
-        <pc:sldMkLst>
-          <pc:docMk/>
-          <pc:sldMk cId="3530013129" sldId="273"/>
-        </pc:sldMkLst>
-      </pc:sldChg>
-      <pc:sldChg chg="add del">
-        <pc:chgData name="Norbert Jurik" userId="6de4dc7f078bdd9d" providerId="LiveId" clId="{BFD578B2-A946-4B0B-A540-2BFDC98EF046}" dt="2021-05-12T14:56:45.207" v="224" actId="47"/>
-        <pc:sldMkLst>
-          <pc:docMk/>
-          <pc:sldMk cId="2714068226" sldId="274"/>
-        </pc:sldMkLst>
-      </pc:sldChg>
-      <pc:sldChg chg="add del">
-        <pc:chgData name="Norbert Jurik" userId="6de4dc7f078bdd9d" providerId="LiveId" clId="{BFD578B2-A946-4B0B-A540-2BFDC98EF046}" dt="2021-05-12T14:56:47.987" v="226" actId="47"/>
-        <pc:sldMkLst>
-          <pc:docMk/>
-          <pc:sldMk cId="2901248336" sldId="275"/>
-        </pc:sldMkLst>
-      </pc:sldChg>
-      <pc:sldChg chg="add del">
-        <pc:chgData name="Norbert Jurik" userId="6de4dc7f078bdd9d" providerId="LiveId" clId="{BFD578B2-A946-4B0B-A540-2BFDC98EF046}" dt="2021-05-12T14:56:47.283" v="225" actId="47"/>
-        <pc:sldMkLst>
-          <pc:docMk/>
-          <pc:sldMk cId="2132571189" sldId="276"/>
-        </pc:sldMkLst>
-      </pc:sldChg>
-    </pc:docChg>
-  </pc:docChgLst>
-</pc:chgInfo>
 </file>
 
 <file path=ppt/slideLayouts/slideLayout1.xml><?xml version="1.0" encoding="utf-8"?>
@@ -5168,7 +4568,7 @@
         <p:spPr>
           <a:xfrm>
             <a:off x="1673352" y="2661584"/>
-            <a:ext cx="5797296" cy="3996668"/>
+            <a:ext cx="5797296" cy="3632684"/>
           </a:xfrm>
         </p:spPr>
         <p:txBody>
@@ -5183,6 +4583,38 @@
             </a:r>
           </a:p>
           <a:p>
+            <a:pPr lvl="1"/>
+            <a:r>
+              <a:rPr lang="en-US" dirty="0" err="1"/>
+              <a:t>Te</a:t>
+            </a:r>
+            <a:r>
+              <a:rPr lang="sk-SK" dirty="0"/>
+              <a:t>ó</a:t>
+            </a:r>
+            <a:r>
+              <a:rPr lang="en-US" dirty="0"/>
+              <a:t>ria </a:t>
+            </a:r>
+            <a:r>
+              <a:rPr lang="sk-SK" dirty="0"/>
+              <a:t>prepisovacích systémov</a:t>
+            </a:r>
+            <a:r>
+              <a:rPr lang="en-US" dirty="0"/>
+              <a:t> a ich interpret</a:t>
+            </a:r>
+            <a:r>
+              <a:rPr lang="sk-SK" dirty="0"/>
+              <a:t>á</a:t>
+            </a:r>
+            <a:r>
+              <a:rPr lang="en-US" dirty="0" err="1"/>
+              <a:t>cia</a:t>
+            </a:r>
+            <a:endParaRPr lang="sk-SK" dirty="0"/>
+          </a:p>
+          <a:p>
             <a:r>
               <a:rPr lang="sk-SK" dirty="0"/>
               <a:t>Vytvorenie kostry diplomovej práce</a:t>
@@ -5225,28 +4657,6 @@
             <a:r>
               <a:rPr lang="sk-SK" dirty="0"/>
               <a:t>Vytvorenie samotnej aplikácie</a:t>
-            </a:r>
-          </a:p>
-          <a:p>
-            <a:pPr lvl="1"/>
-            <a:r>
-              <a:rPr lang="sk-SK" dirty="0" err="1"/>
-              <a:t>Layout</a:t>
-            </a:r>
-            <a:endParaRPr lang="sk-SK" dirty="0"/>
-          </a:p>
-          <a:p>
-            <a:pPr lvl="1"/>
-            <a:r>
-              <a:rPr lang="sk-SK" dirty="0"/>
-              <a:t>Interface</a:t>
-            </a:r>
-          </a:p>
-          <a:p>
-            <a:pPr lvl="1"/>
-            <a:r>
-              <a:rPr lang="sk-SK" dirty="0"/>
-              <a:t>Prepojenie komponentov a knižníc</a:t>
             </a:r>
           </a:p>
           <a:p>
@@ -5537,6 +4947,196 @@
 </file>
 
 <file path=ppt/slides/slide7.xml><?xml version="1.0" encoding="utf-8"?>
+<p:sld xmlns:a="http://schemas.openxmlformats.org/drawingml/2006/main" xmlns:r="http://schemas.openxmlformats.org/officeDocument/2006/relationships" xmlns:p="http://schemas.openxmlformats.org/presentationml/2006/main">
+  <p:cSld>
+    <p:spTree>
+      <p:nvGrpSpPr>
+        <p:cNvPr id="1" name=""/>
+        <p:cNvGrpSpPr/>
+        <p:nvPr/>
+      </p:nvGrpSpPr>
+      <p:grpSpPr>
+        <a:xfrm>
+          <a:off x="0" y="0"/>
+          <a:ext cx="0" cy="0"/>
+          <a:chOff x="0" y="0"/>
+          <a:chExt cx="0" cy="0"/>
+        </a:xfrm>
+      </p:grpSpPr>
+      <p:sp>
+        <p:nvSpPr>
+          <p:cNvPr id="2" name="Nadpis 1">
+            <a:extLst>
+              <a:ext uri="{FF2B5EF4-FFF2-40B4-BE49-F238E27FC236}">
+                <a16:creationId xmlns:a16="http://schemas.microsoft.com/office/drawing/2014/main" id="{7EE63E52-DAB5-4203-B642-BB1BC112BB30}"/>
+              </a:ext>
+            </a:extLst>
+          </p:cNvPr>
+          <p:cNvSpPr>
+            <a:spLocks noGrp="1"/>
+          </p:cNvSpPr>
+          <p:nvPr>
+            <p:ph type="title"/>
+          </p:nvPr>
+        </p:nvSpPr>
+        <p:spPr/>
+        <p:txBody>
+          <a:bodyPr/>
+          <a:lstStyle/>
+          <a:p>
+            <a:r>
+              <a:rPr lang="sk-SK" dirty="0"/>
+              <a:t>Ďalšie kroky</a:t>
+            </a:r>
+          </a:p>
+        </p:txBody>
+      </p:sp>
+      <p:sp>
+        <p:nvSpPr>
+          <p:cNvPr id="3" name="Zástupný objekt pre obsah 2">
+            <a:extLst>
+              <a:ext uri="{FF2B5EF4-FFF2-40B4-BE49-F238E27FC236}">
+                <a16:creationId xmlns:a16="http://schemas.microsoft.com/office/drawing/2014/main" id="{C6FC7236-DCD1-420E-8FDE-B285B8CCC652}"/>
+              </a:ext>
+            </a:extLst>
+          </p:cNvPr>
+          <p:cNvSpPr>
+            <a:spLocks noGrp="1"/>
+          </p:cNvSpPr>
+          <p:nvPr>
+            <p:ph idx="1"/>
+          </p:nvPr>
+        </p:nvSpPr>
+        <p:spPr/>
+        <p:txBody>
+          <a:bodyPr/>
+          <a:lstStyle/>
+          <a:p>
+            <a:r>
+              <a:rPr lang="sk-SK" dirty="0"/>
+              <a:t>Zosilnenie jazyka</a:t>
+            </a:r>
+          </a:p>
+          <a:p>
+            <a:r>
+              <a:rPr lang="sk-SK" dirty="0" err="1"/>
+              <a:t>Nedeterminizmus</a:t>
+            </a:r>
+            <a:endParaRPr lang="sk-SK" dirty="0"/>
+          </a:p>
+          <a:p>
+            <a:r>
+              <a:rPr lang="sk-SK" dirty="0"/>
+              <a:t>Parametrizácia pomocou </a:t>
+            </a:r>
+            <a:r>
+              <a:rPr lang="sk-SK" dirty="0" err="1"/>
+              <a:t>perturbácie</a:t>
+            </a:r>
+            <a:endParaRPr lang="sk-SK" dirty="0"/>
+          </a:p>
+          <a:p>
+            <a:r>
+              <a:rPr lang="sk-SK" dirty="0"/>
+              <a:t>Obohatenie rozhrania a funkcionality</a:t>
+            </a:r>
+          </a:p>
+          <a:p>
+            <a:pPr lvl="1"/>
+            <a:r>
+              <a:rPr lang="sk-SK" dirty="0"/>
+              <a:t>Interaktívne zadávanie pravidiel</a:t>
+            </a:r>
+          </a:p>
+          <a:p>
+            <a:pPr lvl="1"/>
+            <a:r>
+              <a:rPr lang="sk-SK" dirty="0"/>
+              <a:t>Možnosť ukladania</a:t>
+            </a:r>
+          </a:p>
+          <a:p>
+            <a:r>
+              <a:rPr lang="sk-SK" dirty="0"/>
+              <a:t>Overenie aplikácie v reálnom prostredí</a:t>
+            </a:r>
+          </a:p>
+        </p:txBody>
+      </p:sp>
+      <p:pic>
+        <p:nvPicPr>
+          <p:cNvPr id="5" name="Picture 4">
+            <a:extLst>
+              <a:ext uri="{FF2B5EF4-FFF2-40B4-BE49-F238E27FC236}">
+                <a16:creationId xmlns:a16="http://schemas.microsoft.com/office/drawing/2014/main" id="{385D99B2-1EDB-49C8-9B73-028F243C3379}"/>
+              </a:ext>
+            </a:extLst>
+          </p:cNvPr>
+          <p:cNvPicPr>
+            <a:picLocks noChangeAspect="1"/>
+          </p:cNvPicPr>
+          <p:nvPr/>
+        </p:nvPicPr>
+        <p:blipFill>
+          <a:blip r:embed="rId2"/>
+          <a:stretch>
+            <a:fillRect/>
+          </a:stretch>
+        </p:blipFill>
+        <p:spPr>
+          <a:xfrm>
+            <a:off x="6063448" y="2228988"/>
+            <a:ext cx="2762636" cy="2291082"/>
+          </a:xfrm>
+          <a:prstGeom prst="rect">
+            <a:avLst/>
+          </a:prstGeom>
+        </p:spPr>
+      </p:pic>
+      <p:pic>
+        <p:nvPicPr>
+          <p:cNvPr id="7" name="Picture 6">
+            <a:extLst>
+              <a:ext uri="{FF2B5EF4-FFF2-40B4-BE49-F238E27FC236}">
+                <a16:creationId xmlns:a16="http://schemas.microsoft.com/office/drawing/2014/main" id="{D3F0BD27-540E-45CB-9340-C1C349F4D4DD}"/>
+              </a:ext>
+            </a:extLst>
+          </p:cNvPr>
+          <p:cNvPicPr>
+            <a:picLocks noChangeAspect="1"/>
+          </p:cNvPicPr>
+          <p:nvPr/>
+        </p:nvPicPr>
+        <p:blipFill>
+          <a:blip r:embed="rId3"/>
+          <a:stretch>
+            <a:fillRect/>
+          </a:stretch>
+        </p:blipFill>
+        <p:spPr>
+          <a:xfrm>
+            <a:off x="5843806" y="4492576"/>
+            <a:ext cx="3201920" cy="2365424"/>
+          </a:xfrm>
+          <a:prstGeom prst="rect">
+            <a:avLst/>
+          </a:prstGeom>
+        </p:spPr>
+      </p:pic>
+    </p:spTree>
+    <p:extLst>
+      <p:ext uri="{BB962C8B-B14F-4D97-AF65-F5344CB8AC3E}">
+        <p14:creationId xmlns:p14="http://schemas.microsoft.com/office/powerpoint/2010/main" val="2816961803"/>
+      </p:ext>
+    </p:extLst>
+  </p:cSld>
+  <p:clrMapOvr>
+    <a:masterClrMapping/>
+  </p:clrMapOvr>
+</p:sld>
+</file>
+
+<file path=ppt/slides/slide8.xml><?xml version="1.0" encoding="utf-8"?>
 <p:sld xmlns:a="http://schemas.openxmlformats.org/drawingml/2006/main" xmlns:r="http://schemas.openxmlformats.org/officeDocument/2006/relationships" xmlns:p="http://schemas.openxmlformats.org/presentationml/2006/main">
   <p:cSld>
     <p:bg>

--- a/literature/L-Sys-Lab_pokrok.pptx
+++ b/literature/L-Sys-Lab_pokrok.pptx
@@ -125,6 +125,66 @@
     <p1510:client id="{BFD578B2-A946-4B0B-A540-2BFDC98EF046}" v="69" dt="2021-05-12T16:46:11.470"/>
   </p1510:revLst>
 </p1510:revInfo>
+</file>
+
+<file path=ppt/changesInfos/changesInfo1.xml><?xml version="1.0" encoding="utf-8"?>
+<pc:chgInfo xmlns:a="http://schemas.openxmlformats.org/drawingml/2006/main" xmlns:r="http://schemas.openxmlformats.org/officeDocument/2006/relationships" xmlns:ac="http://schemas.microsoft.com/office/drawing/2013/main/command" xmlns:pc="http://schemas.microsoft.com/office/powerpoint/2013/main/command">
+  <pc:docChgLst>
+    <pc:chgData name="Norbert Jurik" userId="6de4dc7f078bdd9d" providerId="LiveId" clId="{AA2597BD-51DF-48CE-8464-2EC815EA3E52}"/>
+    <pc:docChg chg="custSel modSld">
+      <pc:chgData name="Norbert Jurik" userId="6de4dc7f078bdd9d" providerId="LiveId" clId="{AA2597BD-51DF-48CE-8464-2EC815EA3E52}" dt="2021-05-12T19:22:00.475" v="58" actId="20577"/>
+      <pc:docMkLst>
+        <pc:docMk/>
+      </pc:docMkLst>
+      <pc:sldChg chg="modSp mod">
+        <pc:chgData name="Norbert Jurik" userId="6de4dc7f078bdd9d" providerId="LiveId" clId="{AA2597BD-51DF-48CE-8464-2EC815EA3E52}" dt="2021-05-12T19:18:17.209" v="28" actId="313"/>
+        <pc:sldMkLst>
+          <pc:docMk/>
+          <pc:sldMk cId="960729313" sldId="260"/>
+        </pc:sldMkLst>
+        <pc:spChg chg="mod">
+          <ac:chgData name="Norbert Jurik" userId="6de4dc7f078bdd9d" providerId="LiveId" clId="{AA2597BD-51DF-48CE-8464-2EC815EA3E52}" dt="2021-05-12T19:18:17.209" v="28" actId="313"/>
+          <ac:spMkLst>
+            <pc:docMk/>
+            <pc:sldMk cId="960729313" sldId="260"/>
+            <ac:spMk id="3" creationId="{5376F184-5A72-4295-B823-97BEE2FCE290}"/>
+          </ac:spMkLst>
+        </pc:spChg>
+      </pc:sldChg>
+      <pc:sldChg chg="modSp mod">
+        <pc:chgData name="Norbert Jurik" userId="6de4dc7f078bdd9d" providerId="LiveId" clId="{AA2597BD-51DF-48CE-8464-2EC815EA3E52}" dt="2021-05-12T19:22:00.475" v="58" actId="20577"/>
+        <pc:sldMkLst>
+          <pc:docMk/>
+          <pc:sldMk cId="2816961803" sldId="269"/>
+        </pc:sldMkLst>
+        <pc:spChg chg="mod">
+          <ac:chgData name="Norbert Jurik" userId="6de4dc7f078bdd9d" providerId="LiveId" clId="{AA2597BD-51DF-48CE-8464-2EC815EA3E52}" dt="2021-05-12T19:22:00.475" v="58" actId="20577"/>
+          <ac:spMkLst>
+            <pc:docMk/>
+            <pc:sldMk cId="2816961803" sldId="269"/>
+            <ac:spMk id="3" creationId="{C6FC7236-DCD1-420E-8FDE-B285B8CCC652}"/>
+          </ac:spMkLst>
+        </pc:spChg>
+        <pc:picChg chg="mod">
+          <ac:chgData name="Norbert Jurik" userId="6de4dc7f078bdd9d" providerId="LiveId" clId="{AA2597BD-51DF-48CE-8464-2EC815EA3E52}" dt="2021-05-12T19:20:57.319" v="39" actId="1076"/>
+          <ac:picMkLst>
+            <pc:docMk/>
+            <pc:sldMk cId="2816961803" sldId="269"/>
+            <ac:picMk id="5" creationId="{385D99B2-1EDB-49C8-9B73-028F243C3379}"/>
+          </ac:picMkLst>
+        </pc:picChg>
+        <pc:picChg chg="mod">
+          <ac:chgData name="Norbert Jurik" userId="6de4dc7f078bdd9d" providerId="LiveId" clId="{AA2597BD-51DF-48CE-8464-2EC815EA3E52}" dt="2021-05-12T19:20:54.584" v="38" actId="1076"/>
+          <ac:picMkLst>
+            <pc:docMk/>
+            <pc:sldMk cId="2816961803" sldId="269"/>
+            <ac:picMk id="7" creationId="{D3F0BD27-540E-45CB-9340-C1C349F4D4DD}"/>
+          </ac:picMkLst>
+        </pc:picChg>
+      </pc:sldChg>
+    </pc:docChg>
+  </pc:docChgLst>
+</pc:chgInfo>
 </file>
 
 <file path=ppt/slideLayouts/slideLayout1.xml><?xml version="1.0" encoding="utf-8"?>
@@ -4602,17 +4662,12 @@
             </a:r>
             <a:r>
               <a:rPr lang="en-US" dirty="0"/>
-              <a:t> a ich interpret</a:t>
+              <a:t> a ich </a:t>
             </a:r>
             <a:r>
               <a:rPr lang="sk-SK" dirty="0"/>
-              <a:t>á</a:t>
-            </a:r>
-            <a:r>
-              <a:rPr lang="en-US" dirty="0" err="1"/>
-              <a:t>cia</a:t>
-            </a:r>
-            <a:endParaRPr lang="sk-SK" dirty="0"/>
+              <a:t>interpretácia</a:t>
+            </a:r>
           </a:p>
           <a:p>
             <a:r>
@@ -4656,7 +4711,7 @@
           <a:p>
             <a:r>
               <a:rPr lang="sk-SK" dirty="0"/>
-              <a:t>Vytvorenie samotnej aplikácie</a:t>
+              <a:t>Vytvorenie prototypu aplikácie</a:t>
             </a:r>
           </a:p>
           <a:p>
@@ -5019,8 +5074,12 @@
           </a:p>
           <a:p>
             <a:r>
+              <a:rPr lang="sk-SK" dirty="0"/>
+              <a:t>Zavedenie </a:t>
+            </a:r>
+            <a:r>
               <a:rPr lang="sk-SK" dirty="0" err="1"/>
-              <a:t>Nedeterminizmus</a:t>
+              <a:t>nedeterminizmu</a:t>
             </a:r>
             <a:endParaRPr lang="sk-SK" dirty="0"/>
           </a:p>
@@ -5039,20 +5098,6 @@
             <a:r>
               <a:rPr lang="sk-SK" dirty="0"/>
               <a:t>Obohatenie rozhrania a funkcionality</a:t>
-            </a:r>
-          </a:p>
-          <a:p>
-            <a:pPr lvl="1"/>
-            <a:r>
-              <a:rPr lang="sk-SK" dirty="0"/>
-              <a:t>Interaktívne zadávanie pravidiel</a:t>
-            </a:r>
-          </a:p>
-          <a:p>
-            <a:pPr lvl="1"/>
-            <a:r>
-              <a:rPr lang="sk-SK" dirty="0"/>
-              <a:t>Možnosť ukladania</a:t>
             </a:r>
           </a:p>
           <a:p>
@@ -5085,7 +5130,7 @@
         </p:blipFill>
         <p:spPr>
           <a:xfrm>
-            <a:off x="6063448" y="2228988"/>
+            <a:off x="3397849" y="4664606"/>
             <a:ext cx="2762636" cy="2291082"/>
           </a:xfrm>
           <a:prstGeom prst="rect">
@@ -5115,7 +5160,7 @@
         </p:blipFill>
         <p:spPr>
           <a:xfrm>
-            <a:off x="5843806" y="4492576"/>
+            <a:off x="5746152" y="2708164"/>
             <a:ext cx="3201920" cy="2365424"/>
           </a:xfrm>
           <a:prstGeom prst="rect">

--- a/literature/L-Sys-Lab_pokrok.pptx
+++ b/literature/L-Sys-Lab_pokrok.pptx
@@ -12,7 +12,8 @@
     <p:sldId id="260" r:id="rId6"/>
     <p:sldId id="264" r:id="rId7"/>
     <p:sldId id="269" r:id="rId8"/>
-    <p:sldId id="266" r:id="rId9"/>
+    <p:sldId id="270" r:id="rId9"/>
+    <p:sldId id="266" r:id="rId10"/>
   </p:sldIdLst>
   <p:sldSz cx="9144000" cy="6858000" type="screen4x3"/>
   <p:notesSz cx="6858000" cy="9144000"/>
@@ -122,6 +123,7 @@
 <file path=ppt/revisionInfo.xml><?xml version="1.0" encoding="utf-8"?>
 <p1510:revInfo xmlns:a="http://schemas.openxmlformats.org/drawingml/2006/main" xmlns:r="http://schemas.openxmlformats.org/officeDocument/2006/relationships" xmlns:p1510="http://schemas.microsoft.com/office/powerpoint/2015/10/main">
   <p1510:revLst>
+    <p1510:client id="{AA2597BD-51DF-48CE-8464-2EC815EA3E52}" v="7" dt="2021-05-13T10:05:35.192"/>
     <p1510:client id="{BFD578B2-A946-4B0B-A540-2BFDC98EF046}" v="69" dt="2021-05-12T16:46:11.470"/>
   </p1510:revLst>
 </p1510:revInfo>
@@ -131,19 +133,34 @@
 <pc:chgInfo xmlns:a="http://schemas.openxmlformats.org/drawingml/2006/main" xmlns:r="http://schemas.openxmlformats.org/officeDocument/2006/relationships" xmlns:ac="http://schemas.microsoft.com/office/drawing/2013/main/command" xmlns:pc="http://schemas.microsoft.com/office/powerpoint/2013/main/command">
   <pc:docChgLst>
     <pc:chgData name="Norbert Jurik" userId="6de4dc7f078bdd9d" providerId="LiveId" clId="{AA2597BD-51DF-48CE-8464-2EC815EA3E52}"/>
-    <pc:docChg chg="custSel modSld">
-      <pc:chgData name="Norbert Jurik" userId="6de4dc7f078bdd9d" providerId="LiveId" clId="{AA2597BD-51DF-48CE-8464-2EC815EA3E52}" dt="2021-05-12T19:22:00.475" v="58" actId="20577"/>
+    <pc:docChg chg="undo custSel addSld modSld">
+      <pc:chgData name="Norbert Jurik" userId="6de4dc7f078bdd9d" providerId="LiveId" clId="{AA2597BD-51DF-48CE-8464-2EC815EA3E52}" dt="2021-05-13T10:19:20.988" v="318"/>
       <pc:docMkLst>
         <pc:docMk/>
       </pc:docMkLst>
       <pc:sldChg chg="modSp mod">
-        <pc:chgData name="Norbert Jurik" userId="6de4dc7f078bdd9d" providerId="LiveId" clId="{AA2597BD-51DF-48CE-8464-2EC815EA3E52}" dt="2021-05-12T19:18:17.209" v="28" actId="313"/>
+        <pc:chgData name="Norbert Jurik" userId="6de4dc7f078bdd9d" providerId="LiveId" clId="{AA2597BD-51DF-48CE-8464-2EC815EA3E52}" dt="2021-05-13T10:19:20.988" v="318"/>
+        <pc:sldMkLst>
+          <pc:docMk/>
+          <pc:sldMk cId="3295810007" sldId="259"/>
+        </pc:sldMkLst>
+        <pc:spChg chg="mod">
+          <ac:chgData name="Norbert Jurik" userId="6de4dc7f078bdd9d" providerId="LiveId" clId="{AA2597BD-51DF-48CE-8464-2EC815EA3E52}" dt="2021-05-13T10:19:20.988" v="318"/>
+          <ac:spMkLst>
+            <pc:docMk/>
+            <pc:sldMk cId="3295810007" sldId="259"/>
+            <ac:spMk id="3" creationId="{B4CA22F2-B679-4E2A-84F4-63ED4FB0BFC9}"/>
+          </ac:spMkLst>
+        </pc:spChg>
+      </pc:sldChg>
+      <pc:sldChg chg="modSp mod">
+        <pc:chgData name="Norbert Jurik" userId="6de4dc7f078bdd9d" providerId="LiveId" clId="{AA2597BD-51DF-48CE-8464-2EC815EA3E52}" dt="2021-05-12T20:31:17.125" v="166" actId="790"/>
         <pc:sldMkLst>
           <pc:docMk/>
           <pc:sldMk cId="960729313" sldId="260"/>
         </pc:sldMkLst>
         <pc:spChg chg="mod">
-          <ac:chgData name="Norbert Jurik" userId="6de4dc7f078bdd9d" providerId="LiveId" clId="{AA2597BD-51DF-48CE-8464-2EC815EA3E52}" dt="2021-05-12T19:18:17.209" v="28" actId="313"/>
+          <ac:chgData name="Norbert Jurik" userId="6de4dc7f078bdd9d" providerId="LiveId" clId="{AA2597BD-51DF-48CE-8464-2EC815EA3E52}" dt="2021-05-12T20:31:17.125" v="166" actId="790"/>
           <ac:spMkLst>
             <pc:docMk/>
             <pc:sldMk cId="960729313" sldId="260"/>
@@ -182,6 +199,29 @@
           </ac:picMkLst>
         </pc:picChg>
       </pc:sldChg>
+      <pc:sldChg chg="modSp new mod">
+        <pc:chgData name="Norbert Jurik" userId="6de4dc7f078bdd9d" providerId="LiveId" clId="{AA2597BD-51DF-48CE-8464-2EC815EA3E52}" dt="2021-05-13T10:11:44.946" v="287" actId="14100"/>
+        <pc:sldMkLst>
+          <pc:docMk/>
+          <pc:sldMk cId="865021147" sldId="270"/>
+        </pc:sldMkLst>
+        <pc:spChg chg="mod">
+          <ac:chgData name="Norbert Jurik" userId="6de4dc7f078bdd9d" providerId="LiveId" clId="{AA2597BD-51DF-48CE-8464-2EC815EA3E52}" dt="2021-05-12T20:31:48.153" v="173" actId="20577"/>
+          <ac:spMkLst>
+            <pc:docMk/>
+            <pc:sldMk cId="865021147" sldId="270"/>
+            <ac:spMk id="2" creationId="{8C7E974D-F153-4880-B13D-E841ACB3A0F2}"/>
+          </ac:spMkLst>
+        </pc:spChg>
+        <pc:spChg chg="mod">
+          <ac:chgData name="Norbert Jurik" userId="6de4dc7f078bdd9d" providerId="LiveId" clId="{AA2597BD-51DF-48CE-8464-2EC815EA3E52}" dt="2021-05-13T10:11:44.946" v="287" actId="14100"/>
+          <ac:spMkLst>
+            <pc:docMk/>
+            <pc:sldMk cId="865021147" sldId="270"/>
+            <ac:spMk id="3" creationId="{C8801BF2-7B5C-4A2B-A3D4-BFBBBABCEFC5}"/>
+          </ac:spMkLst>
+        </pc:spChg>
+      </pc:sldChg>
     </pc:docChg>
   </pc:docChgLst>
 </pc:chgInfo>
@@ -340,7 +380,7 @@
           <a:p>
             <a:fld id="{C11F0E0F-5F3E-4145-BC10-17B595BB95CC}" type="datetimeFigureOut">
               <a:rPr lang="LID4096" smtClean="0"/>
-              <a:t>05/12/2021</a:t>
+              <a:t>05/13/2021</a:t>
             </a:fld>
             <a:endParaRPr lang="LID4096"/>
           </a:p>
@@ -508,7 +548,7 @@
           <a:p>
             <a:fld id="{C11F0E0F-5F3E-4145-BC10-17B595BB95CC}" type="datetimeFigureOut">
               <a:rPr lang="LID4096" smtClean="0"/>
-              <a:t>05/12/2021</a:t>
+              <a:t>05/13/2021</a:t>
             </a:fld>
             <a:endParaRPr lang="LID4096"/>
           </a:p>
@@ -686,7 +726,7 @@
           <a:p>
             <a:fld id="{C11F0E0F-5F3E-4145-BC10-17B595BB95CC}" type="datetimeFigureOut">
               <a:rPr lang="LID4096" smtClean="0"/>
-              <a:t>05/12/2021</a:t>
+              <a:t>05/13/2021</a:t>
             </a:fld>
             <a:endParaRPr lang="LID4096"/>
           </a:p>
@@ -854,7 +894,7 @@
           <a:p>
             <a:fld id="{C11F0E0F-5F3E-4145-BC10-17B595BB95CC}" type="datetimeFigureOut">
               <a:rPr lang="LID4096" smtClean="0"/>
-              <a:t>05/12/2021</a:t>
+              <a:t>05/13/2021</a:t>
             </a:fld>
             <a:endParaRPr lang="LID4096"/>
           </a:p>
@@ -1113,7 +1153,7 @@
           <a:p>
             <a:fld id="{C11F0E0F-5F3E-4145-BC10-17B595BB95CC}" type="datetimeFigureOut">
               <a:rPr lang="LID4096" smtClean="0"/>
-              <a:t>05/12/2021</a:t>
+              <a:t>05/13/2021</a:t>
             </a:fld>
             <a:endParaRPr lang="LID4096"/>
           </a:p>
@@ -1342,7 +1382,7 @@
           <a:p>
             <a:fld id="{C11F0E0F-5F3E-4145-BC10-17B595BB95CC}" type="datetimeFigureOut">
               <a:rPr lang="LID4096" smtClean="0"/>
-              <a:t>05/12/2021</a:t>
+              <a:t>05/13/2021</a:t>
             </a:fld>
             <a:endParaRPr lang="LID4096"/>
           </a:p>
@@ -1695,7 +1735,7 @@
           <a:p>
             <a:fld id="{C11F0E0F-5F3E-4145-BC10-17B595BB95CC}" type="datetimeFigureOut">
               <a:rPr lang="LID4096" smtClean="0"/>
-              <a:t>05/12/2021</a:t>
+              <a:t>05/13/2021</a:t>
             </a:fld>
             <a:endParaRPr lang="LID4096"/>
           </a:p>
@@ -1834,7 +1874,7 @@
           <a:p>
             <a:fld id="{C11F0E0F-5F3E-4145-BC10-17B595BB95CC}" type="datetimeFigureOut">
               <a:rPr lang="LID4096" smtClean="0"/>
-              <a:t>05/12/2021</a:t>
+              <a:t>05/13/2021</a:t>
             </a:fld>
             <a:endParaRPr lang="LID4096"/>
           </a:p>
@@ -1929,7 +1969,7 @@
           <a:p>
             <a:fld id="{C11F0E0F-5F3E-4145-BC10-17B595BB95CC}" type="datetimeFigureOut">
               <a:rPr lang="LID4096" smtClean="0"/>
-              <a:t>05/12/2021</a:t>
+              <a:t>05/13/2021</a:t>
             </a:fld>
             <a:endParaRPr lang="LID4096"/>
           </a:p>
@@ -2287,7 +2327,7 @@
           <a:p>
             <a:fld id="{C11F0E0F-5F3E-4145-BC10-17B595BB95CC}" type="datetimeFigureOut">
               <a:rPr lang="LID4096" smtClean="0"/>
-              <a:t>05/12/2021</a:t>
+              <a:t>05/13/2021</a:t>
             </a:fld>
             <a:endParaRPr lang="LID4096"/>
           </a:p>
@@ -2604,7 +2644,7 @@
           <a:p>
             <a:fld id="{C11F0E0F-5F3E-4145-BC10-17B595BB95CC}" type="datetimeFigureOut">
               <a:rPr lang="LID4096" smtClean="0"/>
-              <a:t>05/12/2021</a:t>
+              <a:t>05/13/2021</a:t>
             </a:fld>
             <a:endParaRPr lang="LID4096"/>
           </a:p>
@@ -2849,7 +2889,7 @@
           <a:p>
             <a:fld id="{C11F0E0F-5F3E-4145-BC10-17B595BB95CC}" type="datetimeFigureOut">
               <a:rPr lang="LID4096" smtClean="0"/>
-              <a:t>05/12/2021</a:t>
+              <a:t>05/13/2021</a:t>
             </a:fld>
             <a:endParaRPr lang="LID4096"/>
           </a:p>
@@ -3379,7 +3419,7 @@
           <a:lstStyle/>
           <a:p>
             <a:pPr algn="ctr"/>
-            <a:endParaRPr lang="en-US"/>
+            <a:endParaRPr lang="en-US" dirty="0"/>
           </a:p>
         </p:txBody>
       </p:sp>
@@ -3442,7 +3482,7 @@
           <a:lstStyle/>
           <a:p>
             <a:pPr algn="ctr"/>
-            <a:endParaRPr lang="en-US"/>
+            <a:endParaRPr lang="en-US" dirty="0"/>
           </a:p>
         </p:txBody>
       </p:sp>
@@ -4206,6 +4246,33 @@
               <a:rPr lang="sk-SK" dirty="0"/>
               <a:t>Interpretácia pomocou korytnačej geometrie</a:t>
             </a:r>
+            <a:endParaRPr lang="en-US" dirty="0"/>
+          </a:p>
+          <a:p>
+            <a:pPr lvl="1" fontAlgn="base"/>
+            <a:r>
+              <a:rPr lang="en-US" dirty="0"/>
+              <a:t>F, +, </a:t>
+            </a:r>
+            <a:r>
+              <a:rPr lang="en-150" b="1" i="0" dirty="0">
+                <a:solidFill>
+                  <a:srgbClr val="202122"/>
+                </a:solidFill>
+                <a:effectLst/>
+                <a:latin typeface="Arial" panose="020B0604020202020204" pitchFamily="34" charset="0"/>
+              </a:rPr>
+              <a:t>–</a:t>
+            </a:r>
+            <a:r>
+              <a:rPr lang="en-US"/>
+              <a:t>, </a:t>
+            </a:r>
+            <a:r>
+              <a:rPr lang="en-US" dirty="0"/>
+              <a:t>[ ]</a:t>
+            </a:r>
+            <a:endParaRPr lang="sk-SK" dirty="0"/>
           </a:p>
           <a:p>
             <a:pPr fontAlgn="base"/>
@@ -4660,14 +4727,6 @@
               <a:rPr lang="sk-SK" dirty="0"/>
               <a:t>prepisovacích systémov</a:t>
             </a:r>
-            <a:r>
-              <a:rPr lang="en-US" dirty="0"/>
-              <a:t> a ich </a:t>
-            </a:r>
-            <a:r>
-              <a:rPr lang="sk-SK" dirty="0"/>
-              <a:t>interpretácia</a:t>
-            </a:r>
           </a:p>
           <a:p>
             <a:r>
@@ -4707,6 +4766,36 @@
               <a:t>ratio</a:t>
             </a:r>
             <a:endParaRPr lang="sk-SK" dirty="0"/>
+          </a:p>
+          <a:p>
+            <a:r>
+              <a:rPr lang="sk-SK" dirty="0"/>
+              <a:t>Implementácia</a:t>
+            </a:r>
+            <a:r>
+              <a:rPr lang="en-US" dirty="0"/>
+              <a:t> </a:t>
+            </a:r>
+            <a:r>
+              <a:rPr lang="sk-SK" dirty="0"/>
+              <a:t>prepisovacieho</a:t>
+            </a:r>
+            <a:r>
+              <a:rPr lang="en-US" dirty="0"/>
+              <a:t> syst</a:t>
+            </a:r>
+            <a:r>
+              <a:rPr lang="sk-SK" dirty="0"/>
+              <a:t>é</a:t>
+            </a:r>
+            <a:r>
+              <a:rPr lang="en-US" dirty="0"/>
+              <a:t>mu a </a:t>
+            </a:r>
+            <a:r>
+              <a:rPr lang="sk-SK" dirty="0"/>
+              <a:t>interpretera</a:t>
+            </a:r>
           </a:p>
           <a:p>
             <a:r>
@@ -5182,6 +5271,268 @@
 </file>
 
 <file path=ppt/slides/slide8.xml><?xml version="1.0" encoding="utf-8"?>
+<p:sld xmlns:a="http://schemas.openxmlformats.org/drawingml/2006/main" xmlns:r="http://schemas.openxmlformats.org/officeDocument/2006/relationships" xmlns:p="http://schemas.openxmlformats.org/presentationml/2006/main">
+  <p:cSld>
+    <p:spTree>
+      <p:nvGrpSpPr>
+        <p:cNvPr id="1" name=""/>
+        <p:cNvGrpSpPr/>
+        <p:nvPr/>
+      </p:nvGrpSpPr>
+      <p:grpSpPr>
+        <a:xfrm>
+          <a:off x="0" y="0"/>
+          <a:ext cx="0" cy="0"/>
+          <a:chOff x="0" y="0"/>
+          <a:chExt cx="0" cy="0"/>
+        </a:xfrm>
+      </p:grpSpPr>
+      <p:sp>
+        <p:nvSpPr>
+          <p:cNvPr id="2" name="Title 1">
+            <a:extLst>
+              <a:ext uri="{FF2B5EF4-FFF2-40B4-BE49-F238E27FC236}">
+                <a16:creationId xmlns:a16="http://schemas.microsoft.com/office/drawing/2014/main" id="{8C7E974D-F153-4880-B13D-E841ACB3A0F2}"/>
+              </a:ext>
+            </a:extLst>
+          </p:cNvPr>
+          <p:cNvSpPr>
+            <a:spLocks noGrp="1"/>
+          </p:cNvSpPr>
+          <p:nvPr>
+            <p:ph type="title"/>
+          </p:nvPr>
+        </p:nvSpPr>
+        <p:spPr/>
+        <p:txBody>
+          <a:bodyPr/>
+          <a:lstStyle/>
+          <a:p>
+            <a:r>
+              <a:rPr lang="en-US" dirty="0" err="1"/>
+              <a:t>Zdroje</a:t>
+            </a:r>
+            <a:endParaRPr lang="LID4096" dirty="0"/>
+          </a:p>
+        </p:txBody>
+      </p:sp>
+      <p:sp>
+        <p:nvSpPr>
+          <p:cNvPr id="3" name="Content Placeholder 2">
+            <a:extLst>
+              <a:ext uri="{FF2B5EF4-FFF2-40B4-BE49-F238E27FC236}">
+                <a16:creationId xmlns:a16="http://schemas.microsoft.com/office/drawing/2014/main" id="{C8801BF2-7B5C-4A2B-A3D4-BFBBBABCEFC5}"/>
+              </a:ext>
+            </a:extLst>
+          </p:cNvPr>
+          <p:cNvSpPr>
+            <a:spLocks noGrp="1"/>
+          </p:cNvSpPr>
+          <p:nvPr>
+            <p:ph idx="1"/>
+          </p:nvPr>
+        </p:nvSpPr>
+        <p:spPr>
+          <a:xfrm>
+            <a:off x="1606045" y="2638045"/>
+            <a:ext cx="5937755" cy="4020207"/>
+          </a:xfrm>
+        </p:spPr>
+        <p:txBody>
+          <a:bodyPr>
+            <a:normAutofit/>
+          </a:bodyPr>
+          <a:lstStyle/>
+          <a:p>
+            <a:r>
+              <a:rPr lang="sk-SK" dirty="0"/>
+              <a:t>P</a:t>
+            </a:r>
+            <a:r>
+              <a:rPr lang="en-US" dirty="0"/>
+              <a:t>.</a:t>
+            </a:r>
+            <a:r>
+              <a:rPr lang="sk-SK" dirty="0"/>
+              <a:t> </a:t>
+            </a:r>
+            <a:r>
+              <a:rPr lang="sk-SK" dirty="0" err="1"/>
+              <a:t>Prusinkiewicz</a:t>
+            </a:r>
+            <a:r>
+              <a:rPr lang="en-US" dirty="0"/>
+              <a:t>: Graphical applications of L−systems</a:t>
+            </a:r>
+            <a:endParaRPr lang="en-US" dirty="0">
+              <a:hlinkClick r:id="rId2"/>
+            </a:endParaRPr>
+          </a:p>
+          <a:p>
+            <a:pPr lvl="1"/>
+            <a:r>
+              <a:rPr lang="sk-SK" dirty="0">
+                <a:hlinkClick r:id="rId2"/>
+              </a:rPr>
+              <a:t>http://algorithmicbotany.org/papers/graphical.gi86.pdf</a:t>
+            </a:r>
+            <a:endParaRPr lang="en-US" dirty="0"/>
+          </a:p>
+          <a:p>
+            <a:r>
+              <a:rPr lang="sk-SK" dirty="0"/>
+              <a:t>M</a:t>
+            </a:r>
+            <a:r>
+              <a:rPr lang="en-US" dirty="0"/>
+              <a:t>.</a:t>
+            </a:r>
+            <a:r>
+              <a:rPr lang="sk-SK" dirty="0"/>
+              <a:t> E. </a:t>
+            </a:r>
+            <a:r>
+              <a:rPr lang="sk-SK" dirty="0" err="1"/>
+              <a:t>Caspersen</a:t>
+            </a:r>
+            <a:r>
+              <a:rPr lang="en-US" dirty="0"/>
+              <a:t>, </a:t>
+            </a:r>
+            <a:r>
+              <a:rPr lang="sk-SK" dirty="0"/>
+              <a:t>H</a:t>
+            </a:r>
+            <a:r>
+              <a:rPr lang="en-US" dirty="0"/>
+              <a:t>.</a:t>
+            </a:r>
+            <a:r>
+              <a:rPr lang="sk-SK" dirty="0"/>
+              <a:t> B</a:t>
+            </a:r>
+            <a:r>
+              <a:rPr lang="en-US" dirty="0"/>
+              <a:t>.</a:t>
+            </a:r>
+            <a:r>
+              <a:rPr lang="sk-SK" dirty="0"/>
+              <a:t> </a:t>
+            </a:r>
+            <a:r>
+              <a:rPr lang="sk-SK" dirty="0" err="1"/>
+              <a:t>Christensen</a:t>
+            </a:r>
+            <a:r>
+              <a:rPr lang="en-US" dirty="0"/>
+              <a:t>: On the Recurring Use of Turtle Graphics in CS1</a:t>
+            </a:r>
+          </a:p>
+          <a:p>
+            <a:pPr lvl="1"/>
+            <a:r>
+              <a:rPr lang="sk-SK" dirty="0">
+                <a:hlinkClick r:id="rId3"/>
+              </a:rPr>
+              <a:t>https://cs.au.dk/~mec/publications/conference/02--ace2000.pdf</a:t>
+            </a:r>
+            <a:endParaRPr lang="en-US" dirty="0"/>
+          </a:p>
+          <a:p>
+            <a:r>
+              <a:rPr lang="sk-SK" dirty="0"/>
+              <a:t>P</a:t>
+            </a:r>
+            <a:r>
+              <a:rPr lang="en-US" dirty="0"/>
+              <a:t>.</a:t>
+            </a:r>
+            <a:r>
+              <a:rPr lang="sk-SK" dirty="0"/>
+              <a:t> </a:t>
+            </a:r>
+            <a:r>
+              <a:rPr lang="sk-SK" dirty="0" err="1"/>
+              <a:t>Prusinkiewicz</a:t>
+            </a:r>
+            <a:r>
+              <a:rPr lang="en-US" dirty="0"/>
+              <a:t>, </a:t>
+            </a:r>
+            <a:r>
+              <a:rPr lang="sk-SK" dirty="0"/>
+              <a:t>A</a:t>
+            </a:r>
+            <a:r>
+              <a:rPr lang="en-US" dirty="0"/>
+              <a:t>.</a:t>
+            </a:r>
+            <a:r>
+              <a:rPr lang="sk-SK" dirty="0"/>
+              <a:t> </a:t>
+            </a:r>
+            <a:r>
+              <a:rPr lang="sk-SK" dirty="0" err="1"/>
+              <a:t>Lindenmayer</a:t>
+            </a:r>
+            <a:r>
+              <a:rPr lang="en-US" dirty="0"/>
+              <a:t>: The Algorithmic Beauty of Plants</a:t>
+            </a:r>
+          </a:p>
+          <a:p>
+            <a:pPr lvl="1"/>
+            <a:r>
+              <a:rPr lang="sk-SK" dirty="0">
+                <a:hlinkClick r:id="rId4"/>
+              </a:rPr>
+              <a:t>http://algorithmicbotany.org/papers/abop/abop.pdf</a:t>
+            </a:r>
+            <a:endParaRPr lang="en-US" dirty="0"/>
+          </a:p>
+          <a:p>
+            <a:r>
+              <a:rPr lang="en-US" dirty="0"/>
+              <a:t>H. Abelson, A. A. </a:t>
+            </a:r>
+            <a:r>
+              <a:rPr lang="en-US" dirty="0" err="1"/>
+              <a:t>DiSessa</a:t>
+            </a:r>
+            <a:r>
+              <a:rPr lang="en-US" dirty="0"/>
+              <a:t>: Turtle Geometry</a:t>
+            </a:r>
+            <a:endParaRPr lang="en-US" dirty="0">
+              <a:hlinkClick r:id="rId5"/>
+            </a:endParaRPr>
+          </a:p>
+          <a:p>
+            <a:pPr lvl="1"/>
+            <a:r>
+              <a:rPr lang="sk-SK" dirty="0">
+                <a:hlinkClick r:id="rId5"/>
+              </a:rPr>
+              <a:t>https://handandmachine.cs.unm.edu/classes/Computational_Fabrication_Spring2021/readings/turtle-geometry.pdf</a:t>
+            </a:r>
+            <a:endParaRPr lang="en-US" dirty="0"/>
+          </a:p>
+        </p:txBody>
+      </p:sp>
+    </p:spTree>
+    <p:extLst>
+      <p:ext uri="{BB962C8B-B14F-4D97-AF65-F5344CB8AC3E}">
+        <p14:creationId xmlns:p14="http://schemas.microsoft.com/office/powerpoint/2010/main" val="865021147"/>
+      </p:ext>
+    </p:extLst>
+  </p:cSld>
+  <p:clrMapOvr>
+    <a:masterClrMapping/>
+  </p:clrMapOvr>
+</p:sld>
+</file>
+
+<file path=ppt/slides/slide9.xml><?xml version="1.0" encoding="utf-8"?>
 <p:sld xmlns:a="http://schemas.openxmlformats.org/drawingml/2006/main" xmlns:r="http://schemas.openxmlformats.org/officeDocument/2006/relationships" xmlns:p="http://schemas.openxmlformats.org/presentationml/2006/main">
   <p:cSld>
     <p:bg>
